--- a/Internship_INCT_2017.pptx
+++ b/Internship_INCT_2017.pptx
@@ -10,11 +10,13 @@
     <p:sldId id="258" r:id="rId4"/>
     <p:sldId id="259" r:id="rId5"/>
     <p:sldId id="260" r:id="rId6"/>
-    <p:sldId id="261" r:id="rId7"/>
-    <p:sldId id="262" r:id="rId8"/>
-    <p:sldId id="263" r:id="rId9"/>
-    <p:sldId id="264" r:id="rId10"/>
-    <p:sldId id="265" r:id="rId11"/>
+    <p:sldId id="267" r:id="rId7"/>
+    <p:sldId id="268" r:id="rId8"/>
+    <p:sldId id="269" r:id="rId9"/>
+    <p:sldId id="274" r:id="rId10"/>
+    <p:sldId id="275" r:id="rId11"/>
+    <p:sldId id="272" r:id="rId12"/>
+    <p:sldId id="273" r:id="rId13"/>
   </p:sldIdLst>
   <p:sldSz cx="12192000" cy="6858000"/>
   <p:notesSz cx="6858000" cy="9144000"/>
@@ -113,7 +115,16 @@
       </a:defRPr>
     </a:lvl9pPr>
   </p:defaultTextStyle>
+  <p:extLst>
+    <p:ext uri="{EFAFB233-063F-42B5-8137-9DF3F51BA10A}">
+      <p15:sldGuideLst xmlns:p15="http://schemas.microsoft.com/office/powerpoint/2012/main"/>
+    </p:ext>
+  </p:extLst>
 </p:presentation>
+</file>
+
+<file path=ppt/revisionInfo.xml><?xml version="1.0" encoding="utf-8"?>
+<p1510:revInfo xmlns:a="http://schemas.openxmlformats.org/drawingml/2006/main" xmlns:r="http://schemas.openxmlformats.org/officeDocument/2006/relationships" xmlns:p1510="http://schemas.microsoft.com/office/powerpoint/2015/10/main"/>
 </file>
 
 <file path=ppt/slideLayouts/slideLayout1.xml><?xml version="1.0" encoding="utf-8"?>
@@ -12762,12 +12773,17 @@
             <p:ph type="subTitle" idx="1"/>
           </p:nvPr>
         </p:nvSpPr>
-        <p:spPr/>
+        <p:spPr>
+          <a:xfrm>
+            <a:off x="5283200" y="4799880"/>
+            <a:ext cx="5222239" cy="861420"/>
+          </a:xfrm>
+        </p:spPr>
         <p:txBody>
           <a:bodyPr/>
           <a:lstStyle/>
           <a:p>
-            <a:pPr algn="ctr"/>
+            <a:pPr algn="r"/>
             <a:r>
               <a:rPr kumimoji="1" lang="ja-JP" altLang="en-US" dirty="0"/>
               <a:t>沖野 浩太郎　西田 聖　長谷川 緑樹　細川 裕貴</a:t>
@@ -12821,21 +12837,64 @@
             <p:ph type="ctrTitle"/>
           </p:nvPr>
         </p:nvSpPr>
-        <p:spPr/>
+        <p:spPr>
+          <a:xfrm>
+            <a:off x="1066800" y="2099733"/>
+            <a:ext cx="8913813" cy="2677648"/>
+          </a:xfrm>
+        </p:spPr>
         <p:txBody>
           <a:bodyPr/>
           <a:lstStyle/>
           <a:p>
-            <a:endParaRPr kumimoji="1" lang="ja-JP" altLang="en-US"/>
+            <a:pPr algn="ctr"/>
+            <a:r>
+              <a:rPr lang="ja-JP" altLang="en-US" sz="6600" dirty="0"/>
+              <a:t>   まとめ</a:t>
+            </a:r>
+            <a:br>
+              <a:rPr lang="en-US" altLang="ja-JP" sz="6600" dirty="0"/>
+            </a:br>
+            <a:endParaRPr kumimoji="1" lang="ja-JP" altLang="en-US" sz="6600" dirty="0"/>
           </a:p>
         </p:txBody>
       </p:sp>
+    </p:spTree>
+    <p:extLst>
+      <p:ext uri="{BB962C8B-B14F-4D97-AF65-F5344CB8AC3E}">
+        <p14:creationId xmlns:p14="http://schemas.microsoft.com/office/powerpoint/2010/main" val="3130948696"/>
+      </p:ext>
+    </p:extLst>
+  </p:cSld>
+  <p:clrMapOvr>
+    <a:masterClrMapping/>
+  </p:clrMapOvr>
+</p:sld>
+</file>
+
+<file path=ppt/slides/slide11.xml><?xml version="1.0" encoding="utf-8"?>
+<p:sld xmlns:a="http://schemas.openxmlformats.org/drawingml/2006/main" xmlns:r="http://schemas.openxmlformats.org/officeDocument/2006/relationships" xmlns:p="http://schemas.openxmlformats.org/presentationml/2006/main">
+  <p:cSld>
+    <p:spTree>
+      <p:nvGrpSpPr>
+        <p:cNvPr id="1" name=""/>
+        <p:cNvGrpSpPr/>
+        <p:nvPr/>
+      </p:nvGrpSpPr>
+      <p:grpSpPr>
+        <a:xfrm>
+          <a:off x="0" y="0"/>
+          <a:ext cx="0" cy="0"/>
+          <a:chOff x="0" y="0"/>
+          <a:chExt cx="0" cy="0"/>
+        </a:xfrm>
+      </p:grpSpPr>
       <p:sp>
         <p:nvSpPr>
-          <p:cNvPr id="3" name="サブタイトル 2">
+          <p:cNvPr id="2" name="タイトル 1">
             <a:extLst>
               <a:ext uri="{FF2B5EF4-FFF2-40B4-BE49-F238E27FC236}">
-                <a16:creationId xmlns:a16="http://schemas.microsoft.com/office/drawing/2014/main" id="{5AE7F9CB-2C8B-47B0-BA4F-39F3758FC93C}"/>
+                <a16:creationId xmlns:a16="http://schemas.microsoft.com/office/drawing/2014/main" id="{A29A1519-24FD-4F02-942E-D1DE21B145A4}"/>
               </a:ext>
             </a:extLst>
           </p:cNvPr>
@@ -12843,22 +12902,100 @@
             <a:spLocks noGrp="1"/>
           </p:cNvSpPr>
           <p:nvPr>
-            <p:ph type="subTitle" idx="1"/>
+            <p:ph type="ctrTitle"/>
           </p:nvPr>
         </p:nvSpPr>
-        <p:spPr/>
+        <p:spPr>
+          <a:xfrm>
+            <a:off x="1066800" y="2099733"/>
+            <a:ext cx="8913813" cy="2677648"/>
+          </a:xfrm>
+        </p:spPr>
         <p:txBody>
           <a:bodyPr/>
           <a:lstStyle/>
           <a:p>
-            <a:endParaRPr kumimoji="1" lang="ja-JP" altLang="en-US"/>
+            <a:pPr algn="ctr"/>
+            <a:r>
+              <a:rPr lang="ja-JP" altLang="en-US" sz="6600" dirty="0"/>
+              <a:t>   感想</a:t>
+            </a:r>
+            <a:br>
+              <a:rPr lang="en-US" altLang="ja-JP" sz="6600" dirty="0"/>
+            </a:br>
+            <a:endParaRPr kumimoji="1" lang="ja-JP" altLang="en-US" sz="6600" dirty="0"/>
           </a:p>
         </p:txBody>
       </p:sp>
     </p:spTree>
     <p:extLst>
       <p:ext uri="{BB962C8B-B14F-4D97-AF65-F5344CB8AC3E}">
-        <p14:creationId xmlns:p14="http://schemas.microsoft.com/office/powerpoint/2010/main" val="1041148146"/>
+        <p14:creationId xmlns:p14="http://schemas.microsoft.com/office/powerpoint/2010/main" val="3576536560"/>
+      </p:ext>
+    </p:extLst>
+  </p:cSld>
+  <p:clrMapOvr>
+    <a:masterClrMapping/>
+  </p:clrMapOvr>
+</p:sld>
+</file>
+
+<file path=ppt/slides/slide12.xml><?xml version="1.0" encoding="utf-8"?>
+<p:sld xmlns:a="http://schemas.openxmlformats.org/drawingml/2006/main" xmlns:r="http://schemas.openxmlformats.org/officeDocument/2006/relationships" xmlns:p="http://schemas.openxmlformats.org/presentationml/2006/main">
+  <p:cSld>
+    <p:spTree>
+      <p:nvGrpSpPr>
+        <p:cNvPr id="1" name=""/>
+        <p:cNvGrpSpPr/>
+        <p:nvPr/>
+      </p:nvGrpSpPr>
+      <p:grpSpPr>
+        <a:xfrm>
+          <a:off x="0" y="0"/>
+          <a:ext cx="0" cy="0"/>
+          <a:chOff x="0" y="0"/>
+          <a:chExt cx="0" cy="0"/>
+        </a:xfrm>
+      </p:grpSpPr>
+      <p:sp>
+        <p:nvSpPr>
+          <p:cNvPr id="2" name="タイトル 1">
+            <a:extLst>
+              <a:ext uri="{FF2B5EF4-FFF2-40B4-BE49-F238E27FC236}">
+                <a16:creationId xmlns:a16="http://schemas.microsoft.com/office/drawing/2014/main" id="{A29A1519-24FD-4F02-942E-D1DE21B145A4}"/>
+              </a:ext>
+            </a:extLst>
+          </p:cNvPr>
+          <p:cNvSpPr>
+            <a:spLocks noGrp="1"/>
+          </p:cNvSpPr>
+          <p:nvPr>
+            <p:ph type="ctrTitle"/>
+          </p:nvPr>
+        </p:nvSpPr>
+        <p:spPr>
+          <a:xfrm>
+            <a:off x="1022874" y="2875280"/>
+            <a:ext cx="10234405" cy="1320800"/>
+          </a:xfrm>
+        </p:spPr>
+        <p:txBody>
+          <a:bodyPr/>
+          <a:lstStyle/>
+          <a:p>
+            <a:pPr algn="ctr"/>
+            <a:r>
+              <a:rPr lang="ja-JP" altLang="en-US" sz="6600" dirty="0"/>
+              <a:t>   ありがとうございました</a:t>
+            </a:r>
+            <a:endParaRPr kumimoji="1" lang="ja-JP" altLang="en-US" sz="6600" dirty="0"/>
+          </a:p>
+        </p:txBody>
+      </p:sp>
+    </p:spTree>
+    <p:extLst>
+      <p:ext uri="{BB962C8B-B14F-4D97-AF65-F5344CB8AC3E}">
+        <p14:creationId xmlns:p14="http://schemas.microsoft.com/office/powerpoint/2010/main" val="443026899"/>
       </p:ext>
     </p:extLst>
   </p:cSld>
@@ -12964,37 +13101,139 @@
             <p:ph type="ctrTitle"/>
           </p:nvPr>
         </p:nvSpPr>
-        <p:spPr/>
+        <p:spPr>
+          <a:xfrm>
+            <a:off x="1855994" y="2915919"/>
+            <a:ext cx="9137125" cy="2003701"/>
+          </a:xfrm>
+        </p:spPr>
         <p:txBody>
           <a:bodyPr/>
           <a:lstStyle/>
           <a:p>
-            <a:endParaRPr kumimoji="1" lang="ja-JP" altLang="en-US"/>
+            <a:pPr algn="ctr"/>
+            <a:r>
+              <a:rPr kumimoji="1" lang="ja-JP" altLang="en-US" dirty="0"/>
+              <a:t>受注→製作→納品</a:t>
+            </a:r>
+            <a:br>
+              <a:rPr kumimoji="1" lang="en-US" altLang="ja-JP" dirty="0"/>
+            </a:br>
+            <a:r>
+              <a:rPr lang="ja-JP" altLang="en-US" dirty="0"/>
+              <a:t>を</a:t>
+            </a:r>
+            <a:r>
+              <a:rPr kumimoji="1" lang="ja-JP" altLang="en-US" dirty="0"/>
+              <a:t>体験させていただきました</a:t>
+            </a:r>
           </a:p>
         </p:txBody>
       </p:sp>
       <p:sp>
         <p:nvSpPr>
-          <p:cNvPr id="3" name="サブタイトル 2">
+          <p:cNvPr id="3" name="タイトル 1">
             <a:extLst>
               <a:ext uri="{FF2B5EF4-FFF2-40B4-BE49-F238E27FC236}">
-                <a16:creationId xmlns:a16="http://schemas.microsoft.com/office/drawing/2014/main" id="{5AE7F9CB-2C8B-47B0-BA4F-39F3758FC93C}"/>
+                <a16:creationId xmlns:a16="http://schemas.microsoft.com/office/drawing/2014/main" id="{8E309DF6-EA11-450B-A510-82765978006B}"/>
               </a:ext>
             </a:extLst>
           </p:cNvPr>
-          <p:cNvSpPr>
-            <a:spLocks noGrp="1"/>
+          <p:cNvSpPr txBox="1">
+            <a:spLocks/>
           </p:cNvSpPr>
-          <p:nvPr>
-            <p:ph type="subTitle" idx="1"/>
-          </p:nvPr>
+          <p:nvPr/>
         </p:nvSpPr>
-        <p:spPr/>
+        <p:spPr bwMode="gray">
+          <a:xfrm>
+            <a:off x="1734075" y="1148079"/>
+            <a:ext cx="8825658" cy="1117601"/>
+          </a:xfrm>
+          <a:prstGeom prst="rect">
+            <a:avLst/>
+          </a:prstGeom>
+        </p:spPr>
         <p:txBody>
-          <a:bodyPr/>
-          <a:lstStyle/>
-          <a:p>
-            <a:endParaRPr kumimoji="1" lang="ja-JP" altLang="en-US"/>
+          <a:bodyPr vert="horz" lIns="91440" tIns="45720" rIns="91440" bIns="45720" rtlCol="0" anchor="b">
+            <a:noAutofit/>
+          </a:bodyPr>
+          <a:lstStyle>
+            <a:lvl1pPr algn="l" defTabSz="457200" rtl="0" eaLnBrk="1" latinLnBrk="0" hangingPunct="1">
+              <a:spcBef>
+                <a:spcPct val="0"/>
+              </a:spcBef>
+              <a:buNone/>
+              <a:defRPr kumimoji="1" sz="5400" b="0" i="0" kern="1200">
+                <a:solidFill>
+                  <a:schemeClr val="bg2"/>
+                </a:solidFill>
+                <a:latin typeface="+mj-lt"/>
+                <a:ea typeface="+mj-ea"/>
+                <a:cs typeface="+mj-cs"/>
+              </a:defRPr>
+            </a:lvl1pPr>
+            <a:lvl2pPr eaLnBrk="1" hangingPunct="1">
+              <a:defRPr kumimoji="1">
+                <a:solidFill>
+                  <a:schemeClr val="tx2"/>
+                </a:solidFill>
+              </a:defRPr>
+            </a:lvl2pPr>
+            <a:lvl3pPr eaLnBrk="1" hangingPunct="1">
+              <a:defRPr kumimoji="1">
+                <a:solidFill>
+                  <a:schemeClr val="tx2"/>
+                </a:solidFill>
+              </a:defRPr>
+            </a:lvl3pPr>
+            <a:lvl4pPr eaLnBrk="1" hangingPunct="1">
+              <a:defRPr kumimoji="1">
+                <a:solidFill>
+                  <a:schemeClr val="tx2"/>
+                </a:solidFill>
+              </a:defRPr>
+            </a:lvl4pPr>
+            <a:lvl5pPr eaLnBrk="1" hangingPunct="1">
+              <a:defRPr kumimoji="1">
+                <a:solidFill>
+                  <a:schemeClr val="tx2"/>
+                </a:solidFill>
+              </a:defRPr>
+            </a:lvl5pPr>
+            <a:lvl6pPr eaLnBrk="1" hangingPunct="1">
+              <a:defRPr kumimoji="1">
+                <a:solidFill>
+                  <a:schemeClr val="tx2"/>
+                </a:solidFill>
+              </a:defRPr>
+            </a:lvl6pPr>
+            <a:lvl7pPr eaLnBrk="1" hangingPunct="1">
+              <a:defRPr kumimoji="1">
+                <a:solidFill>
+                  <a:schemeClr val="tx2"/>
+                </a:solidFill>
+              </a:defRPr>
+            </a:lvl7pPr>
+            <a:lvl8pPr eaLnBrk="1" hangingPunct="1">
+              <a:defRPr kumimoji="1">
+                <a:solidFill>
+                  <a:schemeClr val="tx2"/>
+                </a:solidFill>
+              </a:defRPr>
+            </a:lvl8pPr>
+            <a:lvl9pPr eaLnBrk="1" hangingPunct="1">
+              <a:defRPr kumimoji="1">
+                <a:solidFill>
+                  <a:schemeClr val="tx2"/>
+                </a:solidFill>
+              </a:defRPr>
+            </a:lvl9pPr>
+          </a:lstStyle>
+          <a:p>
+            <a:r>
+              <a:rPr lang="ja-JP" altLang="en-US" sz="6000" dirty="0"/>
+              <a:t>仕事内容</a:t>
+            </a:r>
           </a:p>
         </p:txBody>
       </p:sp>
@@ -13008,6 +13247,92 @@
   <p:clrMapOvr>
     <a:masterClrMapping/>
   </p:clrMapOvr>
+  <p:timing>
+    <p:tnLst>
+      <p:par>
+        <p:cTn id="1" dur="indefinite" restart="never" nodeType="tmRoot">
+          <p:childTnLst>
+            <p:seq concurrent="1" nextAc="seek">
+              <p:cTn id="2" dur="indefinite" nodeType="mainSeq">
+                <p:childTnLst>
+                  <p:par>
+                    <p:cTn id="3" fill="hold">
+                      <p:stCondLst>
+                        <p:cond delay="indefinite"/>
+                      </p:stCondLst>
+                      <p:childTnLst>
+                        <p:par>
+                          <p:cTn id="4" fill="hold">
+                            <p:stCondLst>
+                              <p:cond delay="0"/>
+                            </p:stCondLst>
+                            <p:childTnLst>
+                              <p:par>
+                                <p:cTn id="5" presetID="10" presetClass="entr" presetSubtype="0" fill="hold" grpId="0" nodeType="clickEffect">
+                                  <p:stCondLst>
+                                    <p:cond delay="0"/>
+                                  </p:stCondLst>
+                                  <p:childTnLst>
+                                    <p:set>
+                                      <p:cBhvr>
+                                        <p:cTn id="6" dur="1" fill="hold">
+                                          <p:stCondLst>
+                                            <p:cond delay="0"/>
+                                          </p:stCondLst>
+                                        </p:cTn>
+                                        <p:tgtEl>
+                                          <p:spTgt spid="2"/>
+                                        </p:tgtEl>
+                                        <p:attrNameLst>
+                                          <p:attrName>style.visibility</p:attrName>
+                                        </p:attrNameLst>
+                                      </p:cBhvr>
+                                      <p:to>
+                                        <p:strVal val="visible"/>
+                                      </p:to>
+                                    </p:set>
+                                    <p:animEffect transition="in" filter="fade">
+                                      <p:cBhvr>
+                                        <p:cTn id="7" dur="500"/>
+                                        <p:tgtEl>
+                                          <p:spTgt spid="2"/>
+                                        </p:tgtEl>
+                                      </p:cBhvr>
+                                    </p:animEffect>
+                                  </p:childTnLst>
+                                </p:cTn>
+                              </p:par>
+                            </p:childTnLst>
+                          </p:cTn>
+                        </p:par>
+                      </p:childTnLst>
+                    </p:cTn>
+                  </p:par>
+                </p:childTnLst>
+              </p:cTn>
+              <p:prevCondLst>
+                <p:cond evt="onPrev" delay="0">
+                  <p:tgtEl>
+                    <p:sldTgt/>
+                  </p:tgtEl>
+                </p:cond>
+              </p:prevCondLst>
+              <p:nextCondLst>
+                <p:cond evt="onNext" delay="0">
+                  <p:tgtEl>
+                    <p:sldTgt/>
+                  </p:tgtEl>
+                </p:cond>
+              </p:nextCondLst>
+            </p:seq>
+          </p:childTnLst>
+        </p:cTn>
+      </p:par>
+    </p:tnLst>
+    <p:bldLst>
+      <p:bldP spid="2" grpId="0"/>
+    </p:bldLst>
+  </p:timing>
 </p:sld>
 </file>
 
@@ -13030,51 +13355,167 @@
       </p:grpSpPr>
       <p:sp>
         <p:nvSpPr>
-          <p:cNvPr id="2" name="タイトル 1">
+          <p:cNvPr id="4" name="正方形/長方形 3">
             <a:extLst>
               <a:ext uri="{FF2B5EF4-FFF2-40B4-BE49-F238E27FC236}">
-                <a16:creationId xmlns:a16="http://schemas.microsoft.com/office/drawing/2014/main" id="{A29A1519-24FD-4F02-942E-D1DE21B145A4}"/>
+                <a16:creationId xmlns:a16="http://schemas.microsoft.com/office/drawing/2014/main" id="{933AE065-EAA3-4306-A5E9-55C3145F057D}"/>
               </a:ext>
             </a:extLst>
           </p:cNvPr>
-          <p:cNvSpPr>
-            <a:spLocks noGrp="1"/>
-          </p:cNvSpPr>
-          <p:nvPr>
-            <p:ph type="ctrTitle"/>
-          </p:nvPr>
+          <p:cNvSpPr/>
+          <p:nvPr/>
         </p:nvSpPr>
-        <p:spPr/>
+        <p:spPr>
+          <a:xfrm>
+            <a:off x="3108960" y="2585721"/>
+            <a:ext cx="6055360" cy="1112519"/>
+          </a:xfrm>
+          <a:prstGeom prst="rect">
+            <a:avLst/>
+          </a:prstGeom>
+        </p:spPr>
+        <p:style>
+          <a:lnRef idx="2">
+            <a:schemeClr val="accent3">
+              <a:shade val="50000"/>
+            </a:schemeClr>
+          </a:lnRef>
+          <a:fillRef idx="1">
+            <a:schemeClr val="accent3"/>
+          </a:fillRef>
+          <a:effectRef idx="0">
+            <a:schemeClr val="accent3"/>
+          </a:effectRef>
+          <a:fontRef idx="minor">
+            <a:schemeClr val="lt1"/>
+          </a:fontRef>
+        </p:style>
         <p:txBody>
-          <a:bodyPr/>
+          <a:bodyPr rtlCol="0" anchor="ctr"/>
           <a:lstStyle/>
           <a:p>
-            <a:endParaRPr kumimoji="1" lang="ja-JP" altLang="en-US"/>
+            <a:pPr algn="ctr"/>
+            <a:endParaRPr kumimoji="1" lang="ja-JP" altLang="en-US">
+              <a:solidFill>
+                <a:schemeClr val="bg1"/>
+              </a:solidFill>
+            </a:endParaRPr>
           </a:p>
         </p:txBody>
       </p:sp>
       <p:sp>
         <p:nvSpPr>
-          <p:cNvPr id="3" name="サブタイトル 2">
+          <p:cNvPr id="5" name="テキスト ボックス 4">
             <a:extLst>
               <a:ext uri="{FF2B5EF4-FFF2-40B4-BE49-F238E27FC236}">
-                <a16:creationId xmlns:a16="http://schemas.microsoft.com/office/drawing/2014/main" id="{5AE7F9CB-2C8B-47B0-BA4F-39F3758FC93C}"/>
+                <a16:creationId xmlns:a16="http://schemas.microsoft.com/office/drawing/2014/main" id="{3EF15ED9-314F-4026-8006-EDA5F1985FB0}"/>
               </a:ext>
             </a:extLst>
           </p:cNvPr>
-          <p:cNvSpPr>
-            <a:spLocks noGrp="1"/>
-          </p:cNvSpPr>
-          <p:nvPr>
-            <p:ph type="subTitle" idx="1"/>
-          </p:nvPr>
+          <p:cNvSpPr txBox="1"/>
+          <p:nvPr/>
         </p:nvSpPr>
-        <p:spPr/>
+        <p:spPr>
+          <a:xfrm>
+            <a:off x="3108960" y="2590244"/>
+            <a:ext cx="6055360" cy="1107996"/>
+          </a:xfrm>
+          <a:prstGeom prst="rect">
+            <a:avLst/>
+          </a:prstGeom>
+          <a:noFill/>
+        </p:spPr>
         <p:txBody>
-          <a:bodyPr/>
+          <a:bodyPr wrap="square" rtlCol="0">
+            <a:spAutoFit/>
+          </a:bodyPr>
           <a:lstStyle/>
           <a:p>
-            <a:endParaRPr kumimoji="1" lang="ja-JP" altLang="en-US"/>
+            <a:r>
+              <a:rPr kumimoji="1" lang="en-US" altLang="ja-JP" sz="6600" b="1" dirty="0">
+                <a:ln w="13462">
+                  <a:solidFill>
+                    <a:schemeClr val="bg1"/>
+                  </a:solidFill>
+                  <a:prstDash val="solid"/>
+                </a:ln>
+                <a:solidFill>
+                  <a:schemeClr val="tx1">
+                    <a:lumMod val="85000"/>
+                    <a:lumOff val="15000"/>
+                  </a:schemeClr>
+                </a:solidFill>
+                <a:effectLst>
+                  <a:outerShdw dist="38100" dir="2700000" algn="bl" rotWithShape="0">
+                    <a:schemeClr val="accent5"/>
+                  </a:outerShdw>
+                </a:effectLst>
+              </a:rPr>
+              <a:t>Real ARMS(</a:t>
+            </a:r>
+            <a:r>
+              <a:rPr kumimoji="1" lang="ja-JP" altLang="en-US" sz="6600" b="1" dirty="0">
+                <a:ln w="13462">
+                  <a:solidFill>
+                    <a:schemeClr val="bg1"/>
+                  </a:solidFill>
+                  <a:prstDash val="solid"/>
+                </a:ln>
+                <a:solidFill>
+                  <a:schemeClr val="tx1">
+                    <a:lumMod val="85000"/>
+                    <a:lumOff val="15000"/>
+                  </a:schemeClr>
+                </a:solidFill>
+                <a:effectLst>
+                  <a:outerShdw dist="38100" dir="2700000" algn="bl" rotWithShape="0">
+                    <a:schemeClr val="accent5"/>
+                  </a:outerShdw>
+                </a:effectLst>
+              </a:rPr>
+              <a:t>仮</a:t>
+            </a:r>
+            <a:r>
+              <a:rPr kumimoji="1" lang="en-US" altLang="ja-JP" sz="6600" b="1" dirty="0">
+                <a:ln w="13462">
+                  <a:solidFill>
+                    <a:schemeClr val="bg1"/>
+                  </a:solidFill>
+                  <a:prstDash val="solid"/>
+                </a:ln>
+                <a:solidFill>
+                  <a:schemeClr val="tx1">
+                    <a:lumMod val="85000"/>
+                    <a:lumOff val="15000"/>
+                  </a:schemeClr>
+                </a:solidFill>
+                <a:effectLst>
+                  <a:outerShdw dist="38100" dir="2700000" algn="bl" rotWithShape="0">
+                    <a:schemeClr val="accent5"/>
+                  </a:outerShdw>
+                </a:effectLst>
+              </a:rPr>
+              <a:t>)</a:t>
+            </a:r>
+            <a:endParaRPr kumimoji="1" lang="ja-JP" altLang="en-US" sz="6600" b="1" dirty="0">
+              <a:ln w="13462">
+                <a:solidFill>
+                  <a:schemeClr val="bg1"/>
+                </a:solidFill>
+                <a:prstDash val="solid"/>
+              </a:ln>
+              <a:solidFill>
+                <a:schemeClr val="tx1">
+                  <a:lumMod val="85000"/>
+                  <a:lumOff val="15000"/>
+                </a:schemeClr>
+              </a:solidFill>
+              <a:effectLst>
+                <a:outerShdw dist="38100" dir="2700000" algn="bl" rotWithShape="0">
+                  <a:schemeClr val="accent5"/>
+                </a:outerShdw>
+              </a:effectLst>
+            </a:endParaRPr>
           </a:p>
         </p:txBody>
       </p:sp>
@@ -13088,6 +13529,218 @@
   <p:clrMapOvr>
     <a:masterClrMapping/>
   </p:clrMapOvr>
+  <p:timing>
+    <p:tnLst>
+      <p:par>
+        <p:cTn id="1" dur="indefinite" restart="never" nodeType="tmRoot">
+          <p:childTnLst>
+            <p:seq concurrent="1" nextAc="seek">
+              <p:cTn id="2" dur="indefinite" nodeType="mainSeq">
+                <p:childTnLst>
+                  <p:par>
+                    <p:cTn id="3" fill="hold">
+                      <p:stCondLst>
+                        <p:cond delay="indefinite"/>
+                      </p:stCondLst>
+                      <p:childTnLst>
+                        <p:par>
+                          <p:cTn id="4" fill="hold">
+                            <p:stCondLst>
+                              <p:cond delay="0"/>
+                            </p:stCondLst>
+                            <p:childTnLst>
+                              <p:par>
+                                <p:cTn id="5" presetID="10" presetClass="entr" presetSubtype="0" fill="hold" grpId="0" nodeType="clickEffect">
+                                  <p:stCondLst>
+                                    <p:cond delay="0"/>
+                                  </p:stCondLst>
+                                  <p:childTnLst>
+                                    <p:set>
+                                      <p:cBhvr>
+                                        <p:cTn id="6" dur="1" fill="hold">
+                                          <p:stCondLst>
+                                            <p:cond delay="0"/>
+                                          </p:stCondLst>
+                                        </p:cTn>
+                                        <p:tgtEl>
+                                          <p:spTgt spid="5"/>
+                                        </p:tgtEl>
+                                        <p:attrNameLst>
+                                          <p:attrName>style.visibility</p:attrName>
+                                        </p:attrNameLst>
+                                      </p:cBhvr>
+                                      <p:to>
+                                        <p:strVal val="visible"/>
+                                      </p:to>
+                                    </p:set>
+                                    <p:animEffect transition="in" filter="fade">
+                                      <p:cBhvr>
+                                        <p:cTn id="7" dur="500"/>
+                                        <p:tgtEl>
+                                          <p:spTgt spid="5"/>
+                                        </p:tgtEl>
+                                      </p:cBhvr>
+                                    </p:animEffect>
+                                  </p:childTnLst>
+                                </p:cTn>
+                              </p:par>
+                              <p:par>
+                                <p:cTn id="8" presetID="10" presetClass="entr" presetSubtype="0" fill="hold" grpId="0" nodeType="withEffect">
+                                  <p:stCondLst>
+                                    <p:cond delay="0"/>
+                                  </p:stCondLst>
+                                  <p:childTnLst>
+                                    <p:set>
+                                      <p:cBhvr>
+                                        <p:cTn id="9" dur="1" fill="hold">
+                                          <p:stCondLst>
+                                            <p:cond delay="0"/>
+                                          </p:stCondLst>
+                                        </p:cTn>
+                                        <p:tgtEl>
+                                          <p:spTgt spid="4"/>
+                                        </p:tgtEl>
+                                        <p:attrNameLst>
+                                          <p:attrName>style.visibility</p:attrName>
+                                        </p:attrNameLst>
+                                      </p:cBhvr>
+                                      <p:to>
+                                        <p:strVal val="visible"/>
+                                      </p:to>
+                                    </p:set>
+                                    <p:animEffect transition="in" filter="fade">
+                                      <p:cBhvr>
+                                        <p:cTn id="10" dur="500"/>
+                                        <p:tgtEl>
+                                          <p:spTgt spid="4"/>
+                                        </p:tgtEl>
+                                      </p:cBhvr>
+                                    </p:animEffect>
+                                  </p:childTnLst>
+                                </p:cTn>
+                              </p:par>
+                            </p:childTnLst>
+                          </p:cTn>
+                        </p:par>
+                      </p:childTnLst>
+                    </p:cTn>
+                  </p:par>
+                  <p:par>
+                    <p:cTn id="11" fill="hold">
+                      <p:stCondLst>
+                        <p:cond delay="indefinite"/>
+                      </p:stCondLst>
+                      <p:childTnLst>
+                        <p:par>
+                          <p:cTn id="12" fill="hold">
+                            <p:stCondLst>
+                              <p:cond delay="0"/>
+                            </p:stCondLst>
+                            <p:childTnLst>
+                              <p:par>
+                                <p:cTn id="13" presetID="10" presetClass="exit" presetSubtype="0" fill="hold" grpId="1" nodeType="clickEffect">
+                                  <p:stCondLst>
+                                    <p:cond delay="0"/>
+                                  </p:stCondLst>
+                                  <p:childTnLst>
+                                    <p:animEffect transition="out" filter="fade">
+                                      <p:cBhvr>
+                                        <p:cTn id="14" dur="500"/>
+                                        <p:tgtEl>
+                                          <p:spTgt spid="5"/>
+                                        </p:tgtEl>
+                                      </p:cBhvr>
+                                    </p:animEffect>
+                                    <p:set>
+                                      <p:cBhvr>
+                                        <p:cTn id="15" dur="1" fill="hold">
+                                          <p:stCondLst>
+                                            <p:cond delay="499"/>
+                                          </p:stCondLst>
+                                        </p:cTn>
+                                        <p:tgtEl>
+                                          <p:spTgt spid="5"/>
+                                        </p:tgtEl>
+                                        <p:attrNameLst>
+                                          <p:attrName>style.visibility</p:attrName>
+                                        </p:attrNameLst>
+                                      </p:cBhvr>
+                                      <p:to>
+                                        <p:strVal val="hidden"/>
+                                      </p:to>
+                                    </p:set>
+                                  </p:childTnLst>
+                                </p:cTn>
+                              </p:par>
+                              <p:par>
+                                <p:cTn id="16" presetID="10" presetClass="exit" presetSubtype="0" fill="hold" grpId="1" nodeType="withEffect">
+                                  <p:stCondLst>
+                                    <p:cond delay="0"/>
+                                  </p:stCondLst>
+                                  <p:childTnLst>
+                                    <p:animEffect transition="out" filter="fade">
+                                      <p:cBhvr>
+                                        <p:cTn id="17" dur="500"/>
+                                        <p:tgtEl>
+                                          <p:spTgt spid="4"/>
+                                        </p:tgtEl>
+                                      </p:cBhvr>
+                                    </p:animEffect>
+                                    <p:set>
+                                      <p:cBhvr>
+                                        <p:cTn id="18" dur="1" fill="hold">
+                                          <p:stCondLst>
+                                            <p:cond delay="499"/>
+                                          </p:stCondLst>
+                                        </p:cTn>
+                                        <p:tgtEl>
+                                          <p:spTgt spid="4"/>
+                                        </p:tgtEl>
+                                        <p:attrNameLst>
+                                          <p:attrName>style.visibility</p:attrName>
+                                        </p:attrNameLst>
+                                      </p:cBhvr>
+                                      <p:to>
+                                        <p:strVal val="hidden"/>
+                                      </p:to>
+                                    </p:set>
+                                  </p:childTnLst>
+                                </p:cTn>
+                              </p:par>
+                            </p:childTnLst>
+                          </p:cTn>
+                        </p:par>
+                      </p:childTnLst>
+                    </p:cTn>
+                  </p:par>
+                </p:childTnLst>
+              </p:cTn>
+              <p:prevCondLst>
+                <p:cond evt="onPrev" delay="0">
+                  <p:tgtEl>
+                    <p:sldTgt/>
+                  </p:tgtEl>
+                </p:cond>
+              </p:prevCondLst>
+              <p:nextCondLst>
+                <p:cond evt="onNext" delay="0">
+                  <p:tgtEl>
+                    <p:sldTgt/>
+                  </p:tgtEl>
+                </p:cond>
+              </p:nextCondLst>
+            </p:seq>
+          </p:childTnLst>
+        </p:cTn>
+      </p:par>
+    </p:tnLst>
+    <p:bldLst>
+      <p:bldP spid="4" grpId="0" animBg="1"/>
+      <p:bldP spid="4" grpId="1" animBg="1"/>
+      <p:bldP spid="5" grpId="0"/>
+      <p:bldP spid="5" grpId="1"/>
+    </p:bldLst>
+  </p:timing>
 </p:sld>
 </file>
 
@@ -13124,37 +13777,151 @@
             <p:ph type="ctrTitle"/>
           </p:nvPr>
         </p:nvSpPr>
-        <p:spPr/>
+        <p:spPr>
+          <a:xfrm>
+            <a:off x="1195595" y="1144693"/>
+            <a:ext cx="8825658" cy="1151467"/>
+          </a:xfrm>
+        </p:spPr>
         <p:txBody>
           <a:bodyPr/>
           <a:lstStyle/>
           <a:p>
-            <a:endParaRPr kumimoji="1" lang="ja-JP" altLang="en-US"/>
+            <a:r>
+              <a:rPr kumimoji="1" lang="en-US" altLang="ja-JP" dirty="0"/>
+              <a:t>Real ARMS(</a:t>
+            </a:r>
+            <a:r>
+              <a:rPr kumimoji="1" lang="ja-JP" altLang="en-US" dirty="0"/>
+              <a:t>仮</a:t>
+            </a:r>
+            <a:r>
+              <a:rPr kumimoji="1" lang="en-US" altLang="ja-JP" dirty="0"/>
+              <a:t>)</a:t>
+            </a:r>
+            <a:r>
+              <a:rPr kumimoji="1" lang="ja-JP" altLang="en-US" dirty="0"/>
+              <a:t>とは</a:t>
+            </a:r>
           </a:p>
         </p:txBody>
       </p:sp>
       <p:sp>
         <p:nvSpPr>
-          <p:cNvPr id="3" name="サブタイトル 2">
+          <p:cNvPr id="4" name="テキスト ボックス 3">
             <a:extLst>
               <a:ext uri="{FF2B5EF4-FFF2-40B4-BE49-F238E27FC236}">
-                <a16:creationId xmlns:a16="http://schemas.microsoft.com/office/drawing/2014/main" id="{5AE7F9CB-2C8B-47B0-BA4F-39F3758FC93C}"/>
+                <a16:creationId xmlns:a16="http://schemas.microsoft.com/office/drawing/2014/main" id="{218DE240-7CB0-4AED-A71D-D5A8DEE9FEF0}"/>
               </a:ext>
             </a:extLst>
           </p:cNvPr>
-          <p:cNvSpPr>
-            <a:spLocks noGrp="1"/>
-          </p:cNvSpPr>
-          <p:nvPr>
-            <p:ph type="subTitle" idx="1"/>
-          </p:nvPr>
+          <p:cNvSpPr txBox="1"/>
+          <p:nvPr/>
         </p:nvSpPr>
-        <p:spPr/>
+        <p:spPr>
+          <a:xfrm>
+            <a:off x="1341120" y="2956560"/>
+            <a:ext cx="9845040" cy="2062103"/>
+          </a:xfrm>
+          <a:prstGeom prst="rect">
+            <a:avLst/>
+          </a:prstGeom>
+          <a:noFill/>
+        </p:spPr>
         <p:txBody>
-          <a:bodyPr/>
+          <a:bodyPr wrap="square" rtlCol="0">
+            <a:spAutoFit/>
+          </a:bodyPr>
           <a:lstStyle/>
           <a:p>
-            <a:endParaRPr kumimoji="1" lang="ja-JP" altLang="en-US"/>
+            <a:r>
+              <a:rPr kumimoji="1" lang="en-US" altLang="ja-JP" sz="3200" dirty="0">
+                <a:solidFill>
+                  <a:schemeClr val="bg1"/>
+                </a:solidFill>
+              </a:rPr>
+              <a:t>Kinect</a:t>
+            </a:r>
+            <a:r>
+              <a:rPr kumimoji="1" lang="ja-JP" altLang="en-US" sz="3200" dirty="0">
+                <a:solidFill>
+                  <a:schemeClr val="bg1"/>
+                </a:solidFill>
+              </a:rPr>
+              <a:t>で読み取ったモーションを</a:t>
+            </a:r>
+            <a:r>
+              <a:rPr kumimoji="1" lang="en-US" altLang="ja-JP" sz="3200" dirty="0">
+                <a:solidFill>
+                  <a:schemeClr val="bg1"/>
+                </a:solidFill>
+              </a:rPr>
+              <a:t>Unity</a:t>
+            </a:r>
+            <a:r>
+              <a:rPr kumimoji="1" lang="ja-JP" altLang="en-US" sz="3200" dirty="0" err="1">
+                <a:solidFill>
+                  <a:schemeClr val="bg1"/>
+                </a:solidFill>
+              </a:rPr>
+              <a:t>ちゃんに</a:t>
+            </a:r>
+            <a:r>
+              <a:rPr kumimoji="1" lang="ja-JP" altLang="en-US" sz="3200" dirty="0">
+                <a:solidFill>
+                  <a:schemeClr val="bg1"/>
+                </a:solidFill>
+              </a:rPr>
+              <a:t>反映させ、それをスマホに投影し、</a:t>
+            </a:r>
+            <a:r>
+              <a:rPr kumimoji="1" lang="en-US" altLang="ja-JP" sz="3200" dirty="0">
+                <a:solidFill>
+                  <a:schemeClr val="bg1"/>
+                </a:solidFill>
+              </a:rPr>
+              <a:t>VR</a:t>
+            </a:r>
+            <a:r>
+              <a:rPr kumimoji="1" lang="ja-JP" altLang="en-US" sz="3200" dirty="0">
+                <a:solidFill>
+                  <a:schemeClr val="bg1"/>
+                </a:solidFill>
+              </a:rPr>
+              <a:t>で戦う本家の</a:t>
+            </a:r>
+            <a:r>
+              <a:rPr kumimoji="1" lang="en-US" altLang="ja-JP" sz="3200" dirty="0">
+                <a:solidFill>
+                  <a:schemeClr val="bg1"/>
+                </a:solidFill>
+              </a:rPr>
+              <a:t>ARMS</a:t>
+            </a:r>
+            <a:r>
+              <a:rPr kumimoji="1" lang="ja-JP" altLang="en-US" sz="3200" dirty="0">
+                <a:solidFill>
+                  <a:schemeClr val="bg1"/>
+                </a:solidFill>
+              </a:rPr>
+              <a:t>では物足りないという人に向けて、更にリアルにした</a:t>
+            </a:r>
+            <a:r>
+              <a:rPr kumimoji="1" lang="en-US" altLang="ja-JP" sz="3200" dirty="0">
+                <a:solidFill>
+                  <a:schemeClr val="bg1"/>
+                </a:solidFill>
+              </a:rPr>
+              <a:t>VR</a:t>
+            </a:r>
+            <a:r>
+              <a:rPr kumimoji="1" lang="ja-JP" altLang="en-US" sz="3200" dirty="0">
+                <a:solidFill>
+                  <a:schemeClr val="bg1"/>
+                </a:solidFill>
+              </a:rPr>
+              <a:t>本格格闘ゲーム</a:t>
+            </a:r>
           </a:p>
         </p:txBody>
       </p:sp>
@@ -13168,6 +13935,97 @@
   <p:clrMapOvr>
     <a:masterClrMapping/>
   </p:clrMapOvr>
+  <p:timing>
+    <p:tnLst>
+      <p:par>
+        <p:cTn id="1" dur="indefinite" restart="never" nodeType="tmRoot">
+          <p:childTnLst>
+            <p:seq concurrent="1" nextAc="seek">
+              <p:cTn id="2" dur="indefinite" nodeType="mainSeq">
+                <p:childTnLst>
+                  <p:par>
+                    <p:cTn id="3" fill="hold">
+                      <p:stCondLst>
+                        <p:cond delay="indefinite"/>
+                      </p:stCondLst>
+                      <p:childTnLst>
+                        <p:par>
+                          <p:cTn id="4" fill="hold">
+                            <p:stCondLst>
+                              <p:cond delay="0"/>
+                            </p:stCondLst>
+                            <p:childTnLst>
+                              <p:par>
+                                <p:cTn id="5" presetID="10" presetClass="entr" presetSubtype="0" fill="hold" nodeType="clickEffect">
+                                  <p:stCondLst>
+                                    <p:cond delay="0"/>
+                                  </p:stCondLst>
+                                  <p:childTnLst>
+                                    <p:set>
+                                      <p:cBhvr>
+                                        <p:cTn id="6" dur="1" fill="hold">
+                                          <p:stCondLst>
+                                            <p:cond delay="0"/>
+                                          </p:stCondLst>
+                                        </p:cTn>
+                                        <p:tgtEl>
+                                          <p:spTgt spid="4">
+                                            <p:txEl>
+                                              <p:pRg st="0" end="0"/>
+                                            </p:txEl>
+                                          </p:spTgt>
+                                        </p:tgtEl>
+                                        <p:attrNameLst>
+                                          <p:attrName>style.visibility</p:attrName>
+                                        </p:attrNameLst>
+                                      </p:cBhvr>
+                                      <p:to>
+                                        <p:strVal val="visible"/>
+                                      </p:to>
+                                    </p:set>
+                                    <p:animEffect transition="in" filter="fade">
+                                      <p:cBhvr>
+                                        <p:cTn id="7" dur="500"/>
+                                        <p:tgtEl>
+                                          <p:spTgt spid="4">
+                                            <p:txEl>
+                                              <p:pRg st="0" end="0"/>
+                                            </p:txEl>
+                                          </p:spTgt>
+                                        </p:tgtEl>
+                                      </p:cBhvr>
+                                    </p:animEffect>
+                                  </p:childTnLst>
+                                </p:cTn>
+                              </p:par>
+                            </p:childTnLst>
+                          </p:cTn>
+                        </p:par>
+                      </p:childTnLst>
+                    </p:cTn>
+                  </p:par>
+                </p:childTnLst>
+              </p:cTn>
+              <p:prevCondLst>
+                <p:cond evt="onPrev" delay="0">
+                  <p:tgtEl>
+                    <p:sldTgt/>
+                  </p:tgtEl>
+                </p:cond>
+              </p:prevCondLst>
+              <p:nextCondLst>
+                <p:cond evt="onNext" delay="0">
+                  <p:tgtEl>
+                    <p:sldTgt/>
+                  </p:tgtEl>
+                </p:cond>
+              </p:nextCondLst>
+            </p:seq>
+          </p:childTnLst>
+        </p:cTn>
+      </p:par>
+    </p:tnLst>
+  </p:timing>
 </p:sld>
 </file>
 
@@ -13209,39 +14067,26 @@
           <a:bodyPr/>
           <a:lstStyle/>
           <a:p>
-            <a:endParaRPr kumimoji="1" lang="ja-JP" altLang="en-US"/>
-          </a:p>
-        </p:txBody>
-      </p:sp>
-      <p:sp>
-        <p:nvSpPr>
-          <p:cNvPr id="3" name="サブタイトル 2">
-            <a:extLst>
-              <a:ext uri="{FF2B5EF4-FFF2-40B4-BE49-F238E27FC236}">
-                <a16:creationId xmlns:a16="http://schemas.microsoft.com/office/drawing/2014/main" id="{5AE7F9CB-2C8B-47B0-BA4F-39F3758FC93C}"/>
-              </a:ext>
-            </a:extLst>
-          </p:cNvPr>
-          <p:cNvSpPr>
-            <a:spLocks noGrp="1"/>
-          </p:cNvSpPr>
-          <p:nvPr>
-            <p:ph type="subTitle" idx="1"/>
-          </p:nvPr>
-        </p:nvSpPr>
-        <p:spPr/>
-        <p:txBody>
-          <a:bodyPr/>
-          <a:lstStyle/>
-          <a:p>
-            <a:endParaRPr kumimoji="1" lang="ja-JP" altLang="en-US"/>
+            <a:pPr algn="ctr"/>
+            <a:r>
+              <a:rPr lang="ja-JP" altLang="en-US" sz="6600" dirty="0"/>
+              <a:t>   となるはずでした</a:t>
+            </a:r>
+            <a:r>
+              <a:rPr lang="en-US" altLang="ja-JP" sz="6600" dirty="0"/>
+              <a:t>…</a:t>
+            </a:r>
+            <a:br>
+              <a:rPr lang="en-US" altLang="ja-JP" sz="6600" dirty="0"/>
+            </a:br>
+            <a:endParaRPr kumimoji="1" lang="ja-JP" altLang="en-US" sz="6600" dirty="0"/>
           </a:p>
         </p:txBody>
       </p:sp>
     </p:spTree>
     <p:extLst>
       <p:ext uri="{BB962C8B-B14F-4D97-AF65-F5344CB8AC3E}">
-        <p14:creationId xmlns:p14="http://schemas.microsoft.com/office/powerpoint/2010/main" val="1058950139"/>
+        <p14:creationId xmlns:p14="http://schemas.microsoft.com/office/powerpoint/2010/main" val="1799534080"/>
       </p:ext>
     </p:extLst>
   </p:cSld>
@@ -13284,44 +14129,32 @@
             <p:ph type="ctrTitle"/>
           </p:nvPr>
         </p:nvSpPr>
-        <p:spPr/>
+        <p:spPr>
+          <a:xfrm>
+            <a:off x="1480075" y="2099733"/>
+            <a:ext cx="8825658" cy="2677648"/>
+          </a:xfrm>
+        </p:spPr>
         <p:txBody>
           <a:bodyPr/>
           <a:lstStyle/>
           <a:p>
-            <a:endParaRPr kumimoji="1" lang="ja-JP" altLang="en-US"/>
-          </a:p>
-        </p:txBody>
-      </p:sp>
-      <p:sp>
-        <p:nvSpPr>
-          <p:cNvPr id="3" name="サブタイトル 2">
-            <a:extLst>
-              <a:ext uri="{FF2B5EF4-FFF2-40B4-BE49-F238E27FC236}">
-                <a16:creationId xmlns:a16="http://schemas.microsoft.com/office/drawing/2014/main" id="{5AE7F9CB-2C8B-47B0-BA4F-39F3758FC93C}"/>
-              </a:ext>
-            </a:extLst>
-          </p:cNvPr>
-          <p:cNvSpPr>
-            <a:spLocks noGrp="1"/>
-          </p:cNvSpPr>
-          <p:nvPr>
-            <p:ph type="subTitle" idx="1"/>
-          </p:nvPr>
-        </p:nvSpPr>
-        <p:spPr/>
-        <p:txBody>
-          <a:bodyPr/>
-          <a:lstStyle/>
-          <a:p>
-            <a:endParaRPr kumimoji="1" lang="ja-JP" altLang="en-US"/>
+            <a:pPr algn="ctr"/>
+            <a:r>
+              <a:rPr lang="ja-JP" altLang="en-US" sz="6600" dirty="0"/>
+              <a:t>   実演してみましょう</a:t>
+            </a:r>
+            <a:br>
+              <a:rPr lang="en-US" altLang="ja-JP" sz="6600" dirty="0"/>
+            </a:br>
+            <a:endParaRPr kumimoji="1" lang="ja-JP" altLang="en-US" sz="6600" dirty="0"/>
           </a:p>
         </p:txBody>
       </p:sp>
     </p:spTree>
     <p:extLst>
       <p:ext uri="{BB962C8B-B14F-4D97-AF65-F5344CB8AC3E}">
-        <p14:creationId xmlns:p14="http://schemas.microsoft.com/office/powerpoint/2010/main" val="2428628222"/>
+        <p14:creationId xmlns:p14="http://schemas.microsoft.com/office/powerpoint/2010/main" val="1771579998"/>
       </p:ext>
     </p:extLst>
   </p:cSld>
@@ -13364,50 +14197,451 @@
             <p:ph type="ctrTitle"/>
           </p:nvPr>
         </p:nvSpPr>
-        <p:spPr/>
+        <p:spPr>
+          <a:xfrm>
+            <a:off x="1920240" y="711200"/>
+            <a:ext cx="5042852" cy="1259840"/>
+          </a:xfrm>
+        </p:spPr>
         <p:txBody>
           <a:bodyPr/>
           <a:lstStyle/>
           <a:p>
-            <a:endParaRPr kumimoji="1" lang="ja-JP" altLang="en-US"/>
+            <a:r>
+              <a:rPr lang="ja-JP" altLang="en-US" dirty="0"/>
+              <a:t>完成したもの</a:t>
+            </a:r>
+            <a:endParaRPr kumimoji="1" lang="ja-JP" altLang="en-US" sz="6600" dirty="0"/>
           </a:p>
         </p:txBody>
       </p:sp>
       <p:sp>
         <p:nvSpPr>
-          <p:cNvPr id="3" name="サブタイトル 2">
+          <p:cNvPr id="3" name="テキスト ボックス 2">
             <a:extLst>
               <a:ext uri="{FF2B5EF4-FFF2-40B4-BE49-F238E27FC236}">
-                <a16:creationId xmlns:a16="http://schemas.microsoft.com/office/drawing/2014/main" id="{5AE7F9CB-2C8B-47B0-BA4F-39F3758FC93C}"/>
+                <a16:creationId xmlns:a16="http://schemas.microsoft.com/office/drawing/2014/main" id="{3B2BA1F9-AFC7-451B-8608-D93C1524A653}"/>
               </a:ext>
             </a:extLst>
           </p:cNvPr>
-          <p:cNvSpPr>
-            <a:spLocks noGrp="1"/>
-          </p:cNvSpPr>
-          <p:nvPr>
-            <p:ph type="subTitle" idx="1"/>
-          </p:nvPr>
+          <p:cNvSpPr txBox="1"/>
+          <p:nvPr/>
         </p:nvSpPr>
-        <p:spPr/>
+        <p:spPr>
+          <a:xfrm>
+            <a:off x="1849120" y="2367280"/>
+            <a:ext cx="9276080" cy="3046988"/>
+          </a:xfrm>
+          <a:prstGeom prst="rect">
+            <a:avLst/>
+          </a:prstGeom>
+          <a:noFill/>
+        </p:spPr>
         <p:txBody>
-          <a:bodyPr/>
+          <a:bodyPr wrap="square" rtlCol="0">
+            <a:spAutoFit/>
+          </a:bodyPr>
           <a:lstStyle/>
           <a:p>
-            <a:endParaRPr kumimoji="1" lang="ja-JP" altLang="en-US"/>
+            <a:pPr marL="514350" indent="-514350">
+              <a:buFont typeface="+mj-lt"/>
+              <a:buAutoNum type="arabicPeriod"/>
+            </a:pPr>
+            <a:r>
+              <a:rPr kumimoji="1" lang="en-US" altLang="ja-JP" sz="3200" dirty="0" err="1">
+                <a:solidFill>
+                  <a:schemeClr val="bg1"/>
+                </a:solidFill>
+              </a:rPr>
+              <a:t>kinect</a:t>
+            </a:r>
+            <a:r>
+              <a:rPr kumimoji="1" lang="ja-JP" altLang="en-US" sz="3200" dirty="0">
+                <a:solidFill>
+                  <a:schemeClr val="bg1"/>
+                </a:solidFill>
+              </a:rPr>
+              <a:t>で読み取ったモーションを</a:t>
+            </a:r>
+            <a:r>
+              <a:rPr kumimoji="1" lang="en-US" altLang="ja-JP" sz="3200" dirty="0">
+                <a:solidFill>
+                  <a:schemeClr val="bg1"/>
+                </a:solidFill>
+              </a:rPr>
+              <a:t>Unity</a:t>
+            </a:r>
+            <a:r>
+              <a:rPr kumimoji="1" lang="ja-JP" altLang="en-US" sz="3200" dirty="0" err="1">
+                <a:solidFill>
+                  <a:schemeClr val="bg1"/>
+                </a:solidFill>
+              </a:rPr>
+              <a:t>ちゃんが</a:t>
+            </a:r>
+            <a:r>
+              <a:rPr kumimoji="1" lang="ja-JP" altLang="en-US" sz="3200" dirty="0">
+                <a:solidFill>
+                  <a:schemeClr val="bg1"/>
+                </a:solidFill>
+              </a:rPr>
+              <a:t>同じ動作をする</a:t>
+            </a:r>
+            <a:endParaRPr kumimoji="1" lang="en-US" altLang="ja-JP" sz="3200" dirty="0">
+              <a:solidFill>
+                <a:schemeClr val="bg1"/>
+              </a:solidFill>
+            </a:endParaRPr>
+          </a:p>
+          <a:p>
+            <a:pPr marL="514350" indent="-514350">
+              <a:buFont typeface="+mj-lt"/>
+              <a:buAutoNum type="arabicPeriod"/>
+            </a:pPr>
+            <a:endParaRPr kumimoji="1" lang="en-US" altLang="ja-JP" sz="3200" dirty="0">
+              <a:solidFill>
+                <a:schemeClr val="bg1"/>
+              </a:solidFill>
+            </a:endParaRPr>
+          </a:p>
+          <a:p>
+            <a:pPr marL="514350" indent="-514350">
+              <a:buFont typeface="+mj-lt"/>
+              <a:buAutoNum type="arabicPeriod"/>
+            </a:pPr>
+            <a:r>
+              <a:rPr kumimoji="1" lang="en-US" altLang="ja-JP" sz="3200" dirty="0">
+                <a:solidFill>
+                  <a:schemeClr val="bg1"/>
+                </a:solidFill>
+              </a:rPr>
+              <a:t> PC</a:t>
+            </a:r>
+            <a:r>
+              <a:rPr kumimoji="1" lang="ja-JP" altLang="en-US" sz="3200" dirty="0">
+                <a:solidFill>
+                  <a:schemeClr val="bg1"/>
+                </a:solidFill>
+              </a:rPr>
+              <a:t>を</a:t>
+            </a:r>
+            <a:r>
+              <a:rPr kumimoji="1" lang="en-US" altLang="ja-JP" sz="3200" dirty="0">
+                <a:solidFill>
+                  <a:schemeClr val="bg1"/>
+                </a:solidFill>
+              </a:rPr>
+              <a:t>Host</a:t>
+            </a:r>
+            <a:r>
+              <a:rPr kumimoji="1" lang="ja-JP" altLang="en-US" sz="3200" dirty="0">
+                <a:solidFill>
+                  <a:schemeClr val="bg1"/>
+                </a:solidFill>
+              </a:rPr>
+              <a:t>とし、スマホに投影して</a:t>
+            </a:r>
+            <a:r>
+              <a:rPr kumimoji="1" lang="en-US" altLang="ja-JP" sz="3200" dirty="0">
+                <a:solidFill>
+                  <a:schemeClr val="bg1"/>
+                </a:solidFill>
+              </a:rPr>
+              <a:t>Unity</a:t>
+            </a:r>
+            <a:r>
+              <a:rPr kumimoji="1" lang="ja-JP" altLang="en-US" sz="3200" dirty="0" err="1">
+                <a:solidFill>
+                  <a:schemeClr val="bg1"/>
+                </a:solidFill>
+              </a:rPr>
+              <a:t>ちゃんが</a:t>
+            </a:r>
+            <a:r>
+              <a:rPr kumimoji="1" lang="ja-JP" altLang="en-US" sz="3200" dirty="0">
+                <a:solidFill>
+                  <a:schemeClr val="bg1"/>
+                </a:solidFill>
+              </a:rPr>
+              <a:t>相手を倒す</a:t>
+            </a:r>
+            <a:r>
+              <a:rPr kumimoji="1" lang="en-US" altLang="ja-JP" sz="3200" dirty="0">
+                <a:solidFill>
+                  <a:schemeClr val="bg1"/>
+                </a:solidFill>
+              </a:rPr>
+              <a:t>VR</a:t>
+            </a:r>
+            <a:r>
+              <a:rPr kumimoji="1" lang="ja-JP" altLang="en-US" sz="3200" dirty="0">
+                <a:solidFill>
+                  <a:schemeClr val="bg1"/>
+                </a:solidFill>
+              </a:rPr>
+              <a:t>格闘ゲーム</a:t>
+            </a:r>
+            <a:endParaRPr kumimoji="1" lang="en-US" altLang="ja-JP" sz="3200" dirty="0">
+              <a:solidFill>
+                <a:schemeClr val="bg1"/>
+              </a:solidFill>
+            </a:endParaRPr>
+          </a:p>
+          <a:p>
+            <a:endParaRPr kumimoji="1" lang="ja-JP" altLang="en-US" sz="3200" dirty="0">
+              <a:solidFill>
+                <a:schemeClr val="bg1"/>
+              </a:solidFill>
+            </a:endParaRPr>
           </a:p>
         </p:txBody>
       </p:sp>
     </p:spTree>
     <p:extLst>
       <p:ext uri="{BB962C8B-B14F-4D97-AF65-F5344CB8AC3E}">
-        <p14:creationId xmlns:p14="http://schemas.microsoft.com/office/powerpoint/2010/main" val="992730333"/>
+        <p14:creationId xmlns:p14="http://schemas.microsoft.com/office/powerpoint/2010/main" val="976842430"/>
       </p:ext>
     </p:extLst>
   </p:cSld>
   <p:clrMapOvr>
     <a:masterClrMapping/>
   </p:clrMapOvr>
+  <p:timing>
+    <p:tnLst>
+      <p:par>
+        <p:cTn id="1" dur="indefinite" restart="never" nodeType="tmRoot">
+          <p:childTnLst>
+            <p:seq concurrent="1" nextAc="seek">
+              <p:cTn id="2" dur="indefinite" nodeType="mainSeq">
+                <p:childTnLst>
+                  <p:par>
+                    <p:cTn id="3" fill="hold">
+                      <p:stCondLst>
+                        <p:cond delay="indefinite"/>
+                      </p:stCondLst>
+                      <p:childTnLst>
+                        <p:par>
+                          <p:cTn id="4" fill="hold">
+                            <p:stCondLst>
+                              <p:cond delay="0"/>
+                            </p:stCondLst>
+                            <p:childTnLst>
+                              <p:par>
+                                <p:cTn id="5" presetID="2" presetClass="entr" presetSubtype="4" fill="hold" nodeType="clickEffect">
+                                  <p:stCondLst>
+                                    <p:cond delay="0"/>
+                                  </p:stCondLst>
+                                  <p:childTnLst>
+                                    <p:set>
+                                      <p:cBhvr>
+                                        <p:cTn id="6" dur="1" fill="hold">
+                                          <p:stCondLst>
+                                            <p:cond delay="0"/>
+                                          </p:stCondLst>
+                                        </p:cTn>
+                                        <p:tgtEl>
+                                          <p:spTgt spid="3">
+                                            <p:txEl>
+                                              <p:pRg st="0" end="0"/>
+                                            </p:txEl>
+                                          </p:spTgt>
+                                        </p:tgtEl>
+                                        <p:attrNameLst>
+                                          <p:attrName>style.visibility</p:attrName>
+                                        </p:attrNameLst>
+                                      </p:cBhvr>
+                                      <p:to>
+                                        <p:strVal val="visible"/>
+                                      </p:to>
+                                    </p:set>
+                                    <p:anim calcmode="lin" valueType="num">
+                                      <p:cBhvr additive="base">
+                                        <p:cTn id="7" dur="500" fill="hold"/>
+                                        <p:tgtEl>
+                                          <p:spTgt spid="3">
+                                            <p:txEl>
+                                              <p:pRg st="0" end="0"/>
+                                            </p:txEl>
+                                          </p:spTgt>
+                                        </p:tgtEl>
+                                        <p:attrNameLst>
+                                          <p:attrName>ppt_x</p:attrName>
+                                        </p:attrNameLst>
+                                      </p:cBhvr>
+                                      <p:tavLst>
+                                        <p:tav tm="0">
+                                          <p:val>
+                                            <p:strVal val="#ppt_x"/>
+                                          </p:val>
+                                        </p:tav>
+                                        <p:tav tm="100000">
+                                          <p:val>
+                                            <p:strVal val="#ppt_x"/>
+                                          </p:val>
+                                        </p:tav>
+                                      </p:tavLst>
+                                    </p:anim>
+                                    <p:anim calcmode="lin" valueType="num">
+                                      <p:cBhvr additive="base">
+                                        <p:cTn id="8" dur="500" fill="hold"/>
+                                        <p:tgtEl>
+                                          <p:spTgt spid="3">
+                                            <p:txEl>
+                                              <p:pRg st="0" end="0"/>
+                                            </p:txEl>
+                                          </p:spTgt>
+                                        </p:tgtEl>
+                                        <p:attrNameLst>
+                                          <p:attrName>ppt_y</p:attrName>
+                                        </p:attrNameLst>
+                                      </p:cBhvr>
+                                      <p:tavLst>
+                                        <p:tav tm="0">
+                                          <p:val>
+                                            <p:strVal val="1+#ppt_h/2"/>
+                                          </p:val>
+                                        </p:tav>
+                                        <p:tav tm="100000">
+                                          <p:val>
+                                            <p:strVal val="#ppt_y"/>
+                                          </p:val>
+                                        </p:tav>
+                                      </p:tavLst>
+                                    </p:anim>
+                                  </p:childTnLst>
+                                </p:cTn>
+                              </p:par>
+                            </p:childTnLst>
+                          </p:cTn>
+                        </p:par>
+                      </p:childTnLst>
+                    </p:cTn>
+                  </p:par>
+                  <p:par>
+                    <p:cTn id="9" fill="hold">
+                      <p:stCondLst>
+                        <p:cond delay="indefinite"/>
+                      </p:stCondLst>
+                      <p:childTnLst>
+                        <p:par>
+                          <p:cTn id="10" fill="hold">
+                            <p:stCondLst>
+                              <p:cond delay="0"/>
+                            </p:stCondLst>
+                            <p:childTnLst>
+                              <p:par>
+                                <p:cTn id="11" presetID="2" presetClass="entr" presetSubtype="4" fill="hold" nodeType="clickEffect">
+                                  <p:stCondLst>
+                                    <p:cond delay="0"/>
+                                  </p:stCondLst>
+                                  <p:childTnLst>
+                                    <p:set>
+                                      <p:cBhvr>
+                                        <p:cTn id="12" dur="1" fill="hold">
+                                          <p:stCondLst>
+                                            <p:cond delay="0"/>
+                                          </p:stCondLst>
+                                        </p:cTn>
+                                        <p:tgtEl>
+                                          <p:spTgt spid="3">
+                                            <p:txEl>
+                                              <p:pRg st="2" end="2"/>
+                                            </p:txEl>
+                                          </p:spTgt>
+                                        </p:tgtEl>
+                                        <p:attrNameLst>
+                                          <p:attrName>style.visibility</p:attrName>
+                                        </p:attrNameLst>
+                                      </p:cBhvr>
+                                      <p:to>
+                                        <p:strVal val="visible"/>
+                                      </p:to>
+                                    </p:set>
+                                    <p:anim calcmode="lin" valueType="num">
+                                      <p:cBhvr additive="base">
+                                        <p:cTn id="13" dur="500" fill="hold"/>
+                                        <p:tgtEl>
+                                          <p:spTgt spid="3">
+                                            <p:txEl>
+                                              <p:pRg st="2" end="2"/>
+                                            </p:txEl>
+                                          </p:spTgt>
+                                        </p:tgtEl>
+                                        <p:attrNameLst>
+                                          <p:attrName>ppt_x</p:attrName>
+                                        </p:attrNameLst>
+                                      </p:cBhvr>
+                                      <p:tavLst>
+                                        <p:tav tm="0">
+                                          <p:val>
+                                            <p:strVal val="#ppt_x"/>
+                                          </p:val>
+                                        </p:tav>
+                                        <p:tav tm="100000">
+                                          <p:val>
+                                            <p:strVal val="#ppt_x"/>
+                                          </p:val>
+                                        </p:tav>
+                                      </p:tavLst>
+                                    </p:anim>
+                                    <p:anim calcmode="lin" valueType="num">
+                                      <p:cBhvr additive="base">
+                                        <p:cTn id="14" dur="500" fill="hold"/>
+                                        <p:tgtEl>
+                                          <p:spTgt spid="3">
+                                            <p:txEl>
+                                              <p:pRg st="2" end="2"/>
+                                            </p:txEl>
+                                          </p:spTgt>
+                                        </p:tgtEl>
+                                        <p:attrNameLst>
+                                          <p:attrName>ppt_y</p:attrName>
+                                        </p:attrNameLst>
+                                      </p:cBhvr>
+                                      <p:tavLst>
+                                        <p:tav tm="0">
+                                          <p:val>
+                                            <p:strVal val="1+#ppt_h/2"/>
+                                          </p:val>
+                                        </p:tav>
+                                        <p:tav tm="100000">
+                                          <p:val>
+                                            <p:strVal val="#ppt_y"/>
+                                          </p:val>
+                                        </p:tav>
+                                      </p:tavLst>
+                                    </p:anim>
+                                  </p:childTnLst>
+                                </p:cTn>
+                              </p:par>
+                            </p:childTnLst>
+                          </p:cTn>
+                        </p:par>
+                      </p:childTnLst>
+                    </p:cTn>
+                  </p:par>
+                </p:childTnLst>
+              </p:cTn>
+              <p:prevCondLst>
+                <p:cond evt="onPrev" delay="0">
+                  <p:tgtEl>
+                    <p:sldTgt/>
+                  </p:tgtEl>
+                </p:cond>
+              </p:prevCondLst>
+              <p:nextCondLst>
+                <p:cond evt="onNext" delay="0">
+                  <p:tgtEl>
+                    <p:sldTgt/>
+                  </p:tgtEl>
+                </p:cond>
+              </p:nextCondLst>
+            </p:seq>
+          </p:childTnLst>
+        </p:cTn>
+      </p:par>
+    </p:tnLst>
+  </p:timing>
 </p:sld>
 </file>
 
@@ -13444,50 +14678,586 @@
             <p:ph type="ctrTitle"/>
           </p:nvPr>
         </p:nvSpPr>
-        <p:spPr/>
+        <p:spPr>
+          <a:xfrm>
+            <a:off x="1920240" y="711200"/>
+            <a:ext cx="5042852" cy="1259840"/>
+          </a:xfrm>
+        </p:spPr>
         <p:txBody>
           <a:bodyPr/>
           <a:lstStyle/>
           <a:p>
-            <a:endParaRPr kumimoji="1" lang="ja-JP" altLang="en-US"/>
+            <a:r>
+              <a:rPr kumimoji="1" lang="ja-JP" altLang="en-US" dirty="0"/>
+              <a:t>反省点</a:t>
+            </a:r>
           </a:p>
         </p:txBody>
       </p:sp>
       <p:sp>
         <p:nvSpPr>
-          <p:cNvPr id="3" name="サブタイトル 2">
+          <p:cNvPr id="3" name="テキスト ボックス 2">
             <a:extLst>
               <a:ext uri="{FF2B5EF4-FFF2-40B4-BE49-F238E27FC236}">
-                <a16:creationId xmlns:a16="http://schemas.microsoft.com/office/drawing/2014/main" id="{5AE7F9CB-2C8B-47B0-BA4F-39F3758FC93C}"/>
+                <a16:creationId xmlns:a16="http://schemas.microsoft.com/office/drawing/2014/main" id="{3B2BA1F9-AFC7-451B-8608-D93C1524A653}"/>
               </a:ext>
             </a:extLst>
           </p:cNvPr>
-          <p:cNvSpPr>
-            <a:spLocks noGrp="1"/>
-          </p:cNvSpPr>
-          <p:nvPr>
-            <p:ph type="subTitle" idx="1"/>
-          </p:nvPr>
+          <p:cNvSpPr txBox="1"/>
+          <p:nvPr/>
         </p:nvSpPr>
-        <p:spPr/>
+        <p:spPr>
+          <a:xfrm>
+            <a:off x="1849120" y="2103120"/>
+            <a:ext cx="8940800" cy="4524315"/>
+          </a:xfrm>
+          <a:prstGeom prst="rect">
+            <a:avLst/>
+          </a:prstGeom>
+          <a:noFill/>
+        </p:spPr>
         <p:txBody>
-          <a:bodyPr/>
+          <a:bodyPr wrap="square" rtlCol="0">
+            <a:spAutoFit/>
+          </a:bodyPr>
           <a:lstStyle/>
           <a:p>
-            <a:endParaRPr kumimoji="1" lang="ja-JP" altLang="en-US"/>
+            <a:pPr marL="457200" indent="-457200">
+              <a:buFont typeface="Arial" panose="020B0604020202020204" pitchFamily="34" charset="0"/>
+              <a:buChar char="•"/>
+            </a:pPr>
+            <a:r>
+              <a:rPr kumimoji="1" lang="ja-JP" altLang="en-US" sz="3200" dirty="0">
+                <a:solidFill>
+                  <a:schemeClr val="bg1"/>
+                </a:solidFill>
+              </a:rPr>
+              <a:t>それぞれのパートを繋げるとなったあとがうまくいかなかった</a:t>
+            </a:r>
+            <a:endParaRPr kumimoji="1" lang="en-US" altLang="ja-JP" sz="3200" dirty="0">
+              <a:solidFill>
+                <a:schemeClr val="bg1"/>
+              </a:solidFill>
+            </a:endParaRPr>
+          </a:p>
+          <a:p>
+            <a:pPr marL="457200" indent="-457200">
+              <a:buFont typeface="Arial" panose="020B0604020202020204" pitchFamily="34" charset="0"/>
+              <a:buChar char="•"/>
+            </a:pPr>
+            <a:endParaRPr kumimoji="1" lang="en-US" altLang="ja-JP" sz="3200" dirty="0">
+              <a:solidFill>
+                <a:schemeClr val="bg1"/>
+              </a:solidFill>
+            </a:endParaRPr>
+          </a:p>
+          <a:p>
+            <a:pPr marL="457200" indent="-457200">
+              <a:buFont typeface="Arial" panose="020B0604020202020204" pitchFamily="34" charset="0"/>
+              <a:buChar char="•"/>
+            </a:pPr>
+            <a:r>
+              <a:rPr kumimoji="1" lang="en-US" altLang="ja-JP" sz="3200" dirty="0">
+                <a:solidFill>
+                  <a:schemeClr val="bg1"/>
+                </a:solidFill>
+              </a:rPr>
+              <a:t>GitHub</a:t>
+            </a:r>
+            <a:r>
+              <a:rPr kumimoji="1" lang="ja-JP" altLang="en-US" sz="3200" dirty="0">
+                <a:solidFill>
+                  <a:schemeClr val="bg1"/>
+                </a:solidFill>
+              </a:rPr>
+              <a:t>を使った交流ができていなかった</a:t>
+            </a:r>
+            <a:endParaRPr kumimoji="1" lang="en-US" altLang="ja-JP" sz="3200" dirty="0">
+              <a:solidFill>
+                <a:schemeClr val="bg1"/>
+              </a:solidFill>
+            </a:endParaRPr>
+          </a:p>
+          <a:p>
+            <a:pPr marL="457200" indent="-457200">
+              <a:buFont typeface="Arial" panose="020B0604020202020204" pitchFamily="34" charset="0"/>
+              <a:buChar char="•"/>
+            </a:pPr>
+            <a:endParaRPr kumimoji="1" lang="en-US" altLang="ja-JP" sz="3200" dirty="0">
+              <a:solidFill>
+                <a:schemeClr val="bg1"/>
+              </a:solidFill>
+            </a:endParaRPr>
+          </a:p>
+          <a:p>
+            <a:pPr marL="457200" indent="-457200">
+              <a:buFont typeface="Arial" panose="020B0604020202020204" pitchFamily="34" charset="0"/>
+              <a:buChar char="•"/>
+            </a:pPr>
+            <a:r>
+              <a:rPr kumimoji="1" lang="en-US" altLang="ja-JP" sz="3200" dirty="0">
+                <a:solidFill>
+                  <a:schemeClr val="bg1"/>
+                </a:solidFill>
+              </a:rPr>
+              <a:t>Unity</a:t>
+            </a:r>
+            <a:r>
+              <a:rPr kumimoji="1" lang="ja-JP" altLang="en-US" sz="3200" dirty="0">
+                <a:solidFill>
+                  <a:schemeClr val="bg1"/>
+                </a:solidFill>
+              </a:rPr>
+              <a:t>と</a:t>
+            </a:r>
+            <a:r>
+              <a:rPr kumimoji="1" lang="en-US" altLang="ja-JP" sz="3200" dirty="0">
+                <a:solidFill>
+                  <a:schemeClr val="bg1"/>
+                </a:solidFill>
+              </a:rPr>
+              <a:t>Kinect</a:t>
+            </a:r>
+            <a:r>
+              <a:rPr kumimoji="1" lang="ja-JP" altLang="en-US" sz="3200" dirty="0">
+                <a:solidFill>
+                  <a:schemeClr val="bg1"/>
+                </a:solidFill>
+              </a:rPr>
+              <a:t>の勉強不足だった</a:t>
+            </a:r>
+            <a:endParaRPr kumimoji="1" lang="en-US" altLang="ja-JP" sz="3200" dirty="0">
+              <a:solidFill>
+                <a:schemeClr val="bg1"/>
+              </a:solidFill>
+            </a:endParaRPr>
+          </a:p>
+          <a:p>
+            <a:endParaRPr kumimoji="1" lang="en-US" altLang="ja-JP" sz="3200" dirty="0">
+              <a:solidFill>
+                <a:schemeClr val="bg1"/>
+              </a:solidFill>
+            </a:endParaRPr>
+          </a:p>
+          <a:p>
+            <a:pPr algn="r"/>
+            <a:r>
+              <a:rPr kumimoji="1" lang="en-US" altLang="ja-JP" sz="3200" dirty="0">
+                <a:solidFill>
+                  <a:schemeClr val="bg1"/>
+                </a:solidFill>
+              </a:rPr>
+              <a:t>and more…</a:t>
+            </a:r>
+          </a:p>
+          <a:p>
+            <a:endParaRPr kumimoji="1" lang="ja-JP" altLang="en-US" sz="3200" dirty="0">
+              <a:solidFill>
+                <a:schemeClr val="bg1"/>
+              </a:solidFill>
+            </a:endParaRPr>
           </a:p>
         </p:txBody>
       </p:sp>
     </p:spTree>
     <p:extLst>
       <p:ext uri="{BB962C8B-B14F-4D97-AF65-F5344CB8AC3E}">
-        <p14:creationId xmlns:p14="http://schemas.microsoft.com/office/powerpoint/2010/main" val="858242866"/>
+        <p14:creationId xmlns:p14="http://schemas.microsoft.com/office/powerpoint/2010/main" val="1148767006"/>
       </p:ext>
     </p:extLst>
   </p:cSld>
   <p:clrMapOvr>
     <a:masterClrMapping/>
   </p:clrMapOvr>
+  <p:timing>
+    <p:tnLst>
+      <p:par>
+        <p:cTn id="1" dur="indefinite" restart="never" nodeType="tmRoot">
+          <p:childTnLst>
+            <p:seq concurrent="1" nextAc="seek">
+              <p:cTn id="2" dur="indefinite" nodeType="mainSeq">
+                <p:childTnLst>
+                  <p:par>
+                    <p:cTn id="3" fill="hold">
+                      <p:stCondLst>
+                        <p:cond delay="indefinite"/>
+                      </p:stCondLst>
+                      <p:childTnLst>
+                        <p:par>
+                          <p:cTn id="4" fill="hold">
+                            <p:stCondLst>
+                              <p:cond delay="0"/>
+                            </p:stCondLst>
+                            <p:childTnLst>
+                              <p:par>
+                                <p:cTn id="5" presetID="2" presetClass="entr" presetSubtype="4" fill="hold" nodeType="clickEffect">
+                                  <p:stCondLst>
+                                    <p:cond delay="0"/>
+                                  </p:stCondLst>
+                                  <p:childTnLst>
+                                    <p:set>
+                                      <p:cBhvr>
+                                        <p:cTn id="6" dur="1" fill="hold">
+                                          <p:stCondLst>
+                                            <p:cond delay="0"/>
+                                          </p:stCondLst>
+                                        </p:cTn>
+                                        <p:tgtEl>
+                                          <p:spTgt spid="3">
+                                            <p:txEl>
+                                              <p:pRg st="0" end="0"/>
+                                            </p:txEl>
+                                          </p:spTgt>
+                                        </p:tgtEl>
+                                        <p:attrNameLst>
+                                          <p:attrName>style.visibility</p:attrName>
+                                        </p:attrNameLst>
+                                      </p:cBhvr>
+                                      <p:to>
+                                        <p:strVal val="visible"/>
+                                      </p:to>
+                                    </p:set>
+                                    <p:anim calcmode="lin" valueType="num">
+                                      <p:cBhvr additive="base">
+                                        <p:cTn id="7" dur="500" fill="hold"/>
+                                        <p:tgtEl>
+                                          <p:spTgt spid="3">
+                                            <p:txEl>
+                                              <p:pRg st="0" end="0"/>
+                                            </p:txEl>
+                                          </p:spTgt>
+                                        </p:tgtEl>
+                                        <p:attrNameLst>
+                                          <p:attrName>ppt_x</p:attrName>
+                                        </p:attrNameLst>
+                                      </p:cBhvr>
+                                      <p:tavLst>
+                                        <p:tav tm="0">
+                                          <p:val>
+                                            <p:strVal val="#ppt_x"/>
+                                          </p:val>
+                                        </p:tav>
+                                        <p:tav tm="100000">
+                                          <p:val>
+                                            <p:strVal val="#ppt_x"/>
+                                          </p:val>
+                                        </p:tav>
+                                      </p:tavLst>
+                                    </p:anim>
+                                    <p:anim calcmode="lin" valueType="num">
+                                      <p:cBhvr additive="base">
+                                        <p:cTn id="8" dur="500" fill="hold"/>
+                                        <p:tgtEl>
+                                          <p:spTgt spid="3">
+                                            <p:txEl>
+                                              <p:pRg st="0" end="0"/>
+                                            </p:txEl>
+                                          </p:spTgt>
+                                        </p:tgtEl>
+                                        <p:attrNameLst>
+                                          <p:attrName>ppt_y</p:attrName>
+                                        </p:attrNameLst>
+                                      </p:cBhvr>
+                                      <p:tavLst>
+                                        <p:tav tm="0">
+                                          <p:val>
+                                            <p:strVal val="1+#ppt_h/2"/>
+                                          </p:val>
+                                        </p:tav>
+                                        <p:tav tm="100000">
+                                          <p:val>
+                                            <p:strVal val="#ppt_y"/>
+                                          </p:val>
+                                        </p:tav>
+                                      </p:tavLst>
+                                    </p:anim>
+                                  </p:childTnLst>
+                                </p:cTn>
+                              </p:par>
+                              <p:par>
+                                <p:cTn id="9" presetID="2" presetClass="entr" presetSubtype="4" fill="hold" nodeType="withEffect">
+                                  <p:stCondLst>
+                                    <p:cond delay="0"/>
+                                  </p:stCondLst>
+                                  <p:childTnLst>
+                                    <p:set>
+                                      <p:cBhvr>
+                                        <p:cTn id="10" dur="1" fill="hold">
+                                          <p:stCondLst>
+                                            <p:cond delay="0"/>
+                                          </p:stCondLst>
+                                        </p:cTn>
+                                        <p:tgtEl>
+                                          <p:spTgt spid="3">
+                                            <p:txEl>
+                                              <p:pRg st="2" end="2"/>
+                                            </p:txEl>
+                                          </p:spTgt>
+                                        </p:tgtEl>
+                                        <p:attrNameLst>
+                                          <p:attrName>style.visibility</p:attrName>
+                                        </p:attrNameLst>
+                                      </p:cBhvr>
+                                      <p:to>
+                                        <p:strVal val="visible"/>
+                                      </p:to>
+                                    </p:set>
+                                    <p:anim calcmode="lin" valueType="num">
+                                      <p:cBhvr additive="base">
+                                        <p:cTn id="11" dur="500" fill="hold"/>
+                                        <p:tgtEl>
+                                          <p:spTgt spid="3">
+                                            <p:txEl>
+                                              <p:pRg st="2" end="2"/>
+                                            </p:txEl>
+                                          </p:spTgt>
+                                        </p:tgtEl>
+                                        <p:attrNameLst>
+                                          <p:attrName>ppt_x</p:attrName>
+                                        </p:attrNameLst>
+                                      </p:cBhvr>
+                                      <p:tavLst>
+                                        <p:tav tm="0">
+                                          <p:val>
+                                            <p:strVal val="#ppt_x"/>
+                                          </p:val>
+                                        </p:tav>
+                                        <p:tav tm="100000">
+                                          <p:val>
+                                            <p:strVal val="#ppt_x"/>
+                                          </p:val>
+                                        </p:tav>
+                                      </p:tavLst>
+                                    </p:anim>
+                                    <p:anim calcmode="lin" valueType="num">
+                                      <p:cBhvr additive="base">
+                                        <p:cTn id="12" dur="500" fill="hold"/>
+                                        <p:tgtEl>
+                                          <p:spTgt spid="3">
+                                            <p:txEl>
+                                              <p:pRg st="2" end="2"/>
+                                            </p:txEl>
+                                          </p:spTgt>
+                                        </p:tgtEl>
+                                        <p:attrNameLst>
+                                          <p:attrName>ppt_y</p:attrName>
+                                        </p:attrNameLst>
+                                      </p:cBhvr>
+                                      <p:tavLst>
+                                        <p:tav tm="0">
+                                          <p:val>
+                                            <p:strVal val="1+#ppt_h/2"/>
+                                          </p:val>
+                                        </p:tav>
+                                        <p:tav tm="100000">
+                                          <p:val>
+                                            <p:strVal val="#ppt_y"/>
+                                          </p:val>
+                                        </p:tav>
+                                      </p:tavLst>
+                                    </p:anim>
+                                  </p:childTnLst>
+                                </p:cTn>
+                              </p:par>
+                              <p:par>
+                                <p:cTn id="13" presetID="2" presetClass="entr" presetSubtype="4" fill="hold" nodeType="withEffect">
+                                  <p:stCondLst>
+                                    <p:cond delay="0"/>
+                                  </p:stCondLst>
+                                  <p:childTnLst>
+                                    <p:set>
+                                      <p:cBhvr>
+                                        <p:cTn id="14" dur="1" fill="hold">
+                                          <p:stCondLst>
+                                            <p:cond delay="0"/>
+                                          </p:stCondLst>
+                                        </p:cTn>
+                                        <p:tgtEl>
+                                          <p:spTgt spid="3">
+                                            <p:txEl>
+                                              <p:pRg st="4" end="4"/>
+                                            </p:txEl>
+                                          </p:spTgt>
+                                        </p:tgtEl>
+                                        <p:attrNameLst>
+                                          <p:attrName>style.visibility</p:attrName>
+                                        </p:attrNameLst>
+                                      </p:cBhvr>
+                                      <p:to>
+                                        <p:strVal val="visible"/>
+                                      </p:to>
+                                    </p:set>
+                                    <p:anim calcmode="lin" valueType="num">
+                                      <p:cBhvr additive="base">
+                                        <p:cTn id="15" dur="500" fill="hold"/>
+                                        <p:tgtEl>
+                                          <p:spTgt spid="3">
+                                            <p:txEl>
+                                              <p:pRg st="4" end="4"/>
+                                            </p:txEl>
+                                          </p:spTgt>
+                                        </p:tgtEl>
+                                        <p:attrNameLst>
+                                          <p:attrName>ppt_x</p:attrName>
+                                        </p:attrNameLst>
+                                      </p:cBhvr>
+                                      <p:tavLst>
+                                        <p:tav tm="0">
+                                          <p:val>
+                                            <p:strVal val="#ppt_x"/>
+                                          </p:val>
+                                        </p:tav>
+                                        <p:tav tm="100000">
+                                          <p:val>
+                                            <p:strVal val="#ppt_x"/>
+                                          </p:val>
+                                        </p:tav>
+                                      </p:tavLst>
+                                    </p:anim>
+                                    <p:anim calcmode="lin" valueType="num">
+                                      <p:cBhvr additive="base">
+                                        <p:cTn id="16" dur="500" fill="hold"/>
+                                        <p:tgtEl>
+                                          <p:spTgt spid="3">
+                                            <p:txEl>
+                                              <p:pRg st="4" end="4"/>
+                                            </p:txEl>
+                                          </p:spTgt>
+                                        </p:tgtEl>
+                                        <p:attrNameLst>
+                                          <p:attrName>ppt_y</p:attrName>
+                                        </p:attrNameLst>
+                                      </p:cBhvr>
+                                      <p:tavLst>
+                                        <p:tav tm="0">
+                                          <p:val>
+                                            <p:strVal val="1+#ppt_h/2"/>
+                                          </p:val>
+                                        </p:tav>
+                                        <p:tav tm="100000">
+                                          <p:val>
+                                            <p:strVal val="#ppt_y"/>
+                                          </p:val>
+                                        </p:tav>
+                                      </p:tavLst>
+                                    </p:anim>
+                                  </p:childTnLst>
+                                </p:cTn>
+                              </p:par>
+                              <p:par>
+                                <p:cTn id="17" presetID="2" presetClass="entr" presetSubtype="4" fill="hold" nodeType="withEffect">
+                                  <p:stCondLst>
+                                    <p:cond delay="0"/>
+                                  </p:stCondLst>
+                                  <p:childTnLst>
+                                    <p:set>
+                                      <p:cBhvr>
+                                        <p:cTn id="18" dur="1" fill="hold">
+                                          <p:stCondLst>
+                                            <p:cond delay="0"/>
+                                          </p:stCondLst>
+                                        </p:cTn>
+                                        <p:tgtEl>
+                                          <p:spTgt spid="3">
+                                            <p:txEl>
+                                              <p:pRg st="6" end="6"/>
+                                            </p:txEl>
+                                          </p:spTgt>
+                                        </p:tgtEl>
+                                        <p:attrNameLst>
+                                          <p:attrName>style.visibility</p:attrName>
+                                        </p:attrNameLst>
+                                      </p:cBhvr>
+                                      <p:to>
+                                        <p:strVal val="visible"/>
+                                      </p:to>
+                                    </p:set>
+                                    <p:anim calcmode="lin" valueType="num">
+                                      <p:cBhvr additive="base">
+                                        <p:cTn id="19" dur="500" fill="hold"/>
+                                        <p:tgtEl>
+                                          <p:spTgt spid="3">
+                                            <p:txEl>
+                                              <p:pRg st="6" end="6"/>
+                                            </p:txEl>
+                                          </p:spTgt>
+                                        </p:tgtEl>
+                                        <p:attrNameLst>
+                                          <p:attrName>ppt_x</p:attrName>
+                                        </p:attrNameLst>
+                                      </p:cBhvr>
+                                      <p:tavLst>
+                                        <p:tav tm="0">
+                                          <p:val>
+                                            <p:strVal val="#ppt_x"/>
+                                          </p:val>
+                                        </p:tav>
+                                        <p:tav tm="100000">
+                                          <p:val>
+                                            <p:strVal val="#ppt_x"/>
+                                          </p:val>
+                                        </p:tav>
+                                      </p:tavLst>
+                                    </p:anim>
+                                    <p:anim calcmode="lin" valueType="num">
+                                      <p:cBhvr additive="base">
+                                        <p:cTn id="20" dur="500" fill="hold"/>
+                                        <p:tgtEl>
+                                          <p:spTgt spid="3">
+                                            <p:txEl>
+                                              <p:pRg st="6" end="6"/>
+                                            </p:txEl>
+                                          </p:spTgt>
+                                        </p:tgtEl>
+                                        <p:attrNameLst>
+                                          <p:attrName>ppt_y</p:attrName>
+                                        </p:attrNameLst>
+                                      </p:cBhvr>
+                                      <p:tavLst>
+                                        <p:tav tm="0">
+                                          <p:val>
+                                            <p:strVal val="1+#ppt_h/2"/>
+                                          </p:val>
+                                        </p:tav>
+                                        <p:tav tm="100000">
+                                          <p:val>
+                                            <p:strVal val="#ppt_y"/>
+                                          </p:val>
+                                        </p:tav>
+                                      </p:tavLst>
+                                    </p:anim>
+                                  </p:childTnLst>
+                                </p:cTn>
+                              </p:par>
+                            </p:childTnLst>
+                          </p:cTn>
+                        </p:par>
+                      </p:childTnLst>
+                    </p:cTn>
+                  </p:par>
+                </p:childTnLst>
+              </p:cTn>
+              <p:prevCondLst>
+                <p:cond evt="onPrev" delay="0">
+                  <p:tgtEl>
+                    <p:sldTgt/>
+                  </p:tgtEl>
+                </p:cond>
+              </p:prevCondLst>
+              <p:nextCondLst>
+                <p:cond evt="onNext" delay="0">
+                  <p:tgtEl>
+                    <p:sldTgt/>
+                  </p:tgtEl>
+                </p:cond>
+              </p:nextCondLst>
+            </p:seq>
+          </p:childTnLst>
+        </p:cTn>
+      </p:par>
+    </p:tnLst>
+  </p:timing>
 </p:sld>
 </file>
 
